--- a/FINALPROJ.pptx
+++ b/FINALPROJ.pptx
@@ -12,8 +12,10 @@
     <p:sldId id="260" r:id="rId6"/>
     <p:sldId id="261" r:id="rId7"/>
     <p:sldId id="262" r:id="rId8"/>
-    <p:sldId id="263" r:id="rId9"/>
-    <p:sldId id="264" r:id="rId10"/>
+    <p:sldId id="265" r:id="rId9"/>
+    <p:sldId id="266" r:id="rId10"/>
+    <p:sldId id="267" r:id="rId11"/>
+    <p:sldId id="264" r:id="rId12"/>
   </p:sldIdLst>
   <p:sldSz cx="12192000" cy="6858000"/>
   <p:notesSz cx="6858000" cy="9144000"/>
@@ -112,6 +114,11 @@
       </a:defRPr>
     </a:lvl9pPr>
   </p:defaultTextStyle>
+  <p:extLst>
+    <p:ext uri="{EFAFB233-063F-42B5-8137-9DF3F51BA10A}">
+      <p15:sldGuideLst xmlns:p15="http://schemas.microsoft.com/office/powerpoint/2012/main"/>
+    </p:ext>
+  </p:extLst>
 </p:presentation>
 </file>
 
@@ -533,7 +540,7 @@
           <a:p>
             <a:fld id="{78ED2250-E0B2-4157-8C5B-D459856C511E}" type="datetimeFigureOut">
               <a:rPr lang="he-IL" smtClean="0"/>
-              <a:t>כ"ו/שבט/תשפ"ב</a:t>
+              <a:t>ט'/אדר א/תשפ"ב</a:t>
             </a:fld>
             <a:endParaRPr lang="he-IL"/>
           </a:p>
@@ -863,7 +870,7 @@
           <a:p>
             <a:fld id="{78ED2250-E0B2-4157-8C5B-D459856C511E}" type="datetimeFigureOut">
               <a:rPr lang="he-IL" smtClean="0"/>
-              <a:t>כ"ו/שבט/תשפ"ב</a:t>
+              <a:t>ט'/אדר א/תשפ"ב</a:t>
             </a:fld>
             <a:endParaRPr lang="he-IL"/>
           </a:p>
@@ -1043,7 +1050,7 @@
           <a:p>
             <a:fld id="{78ED2250-E0B2-4157-8C5B-D459856C511E}" type="datetimeFigureOut">
               <a:rPr lang="he-IL" smtClean="0"/>
-              <a:t>כ"ו/שבט/תשפ"ב</a:t>
+              <a:t>ט'/אדר א/תשפ"ב</a:t>
             </a:fld>
             <a:endParaRPr lang="he-IL"/>
           </a:p>
@@ -1213,7 +1220,7 @@
           <a:p>
             <a:fld id="{78ED2250-E0B2-4157-8C5B-D459856C511E}" type="datetimeFigureOut">
               <a:rPr lang="he-IL" smtClean="0"/>
-              <a:t>כ"ו/שבט/תשפ"ב</a:t>
+              <a:t>ט'/אדר א/תשפ"ב</a:t>
             </a:fld>
             <a:endParaRPr lang="he-IL"/>
           </a:p>
@@ -1490,7 +1497,7 @@
           <a:p>
             <a:fld id="{78ED2250-E0B2-4157-8C5B-D459856C511E}" type="datetimeFigureOut">
               <a:rPr lang="he-IL" smtClean="0"/>
-              <a:t>כ"ו/שבט/תשפ"ב</a:t>
+              <a:t>ט'/אדר א/תשפ"ב</a:t>
             </a:fld>
             <a:endParaRPr lang="he-IL"/>
           </a:p>
@@ -1884,7 +1891,7 @@
           <a:p>
             <a:fld id="{78ED2250-E0B2-4157-8C5B-D459856C511E}" type="datetimeFigureOut">
               <a:rPr lang="he-IL" smtClean="0"/>
-              <a:t>כ"ו/שבט/תשפ"ב</a:t>
+              <a:t>ט'/אדר א/תשפ"ב</a:t>
             </a:fld>
             <a:endParaRPr lang="he-IL"/>
           </a:p>
@@ -2361,7 +2368,7 @@
           <a:p>
             <a:fld id="{78ED2250-E0B2-4157-8C5B-D459856C511E}" type="datetimeFigureOut">
               <a:rPr lang="he-IL" smtClean="0"/>
-              <a:t>כ"ו/שבט/תשפ"ב</a:t>
+              <a:t>ט'/אדר א/תשפ"ב</a:t>
             </a:fld>
             <a:endParaRPr lang="he-IL"/>
           </a:p>
@@ -2479,7 +2486,7 @@
           <a:p>
             <a:fld id="{78ED2250-E0B2-4157-8C5B-D459856C511E}" type="datetimeFigureOut">
               <a:rPr lang="he-IL" smtClean="0"/>
-              <a:t>כ"ו/שבט/תשפ"ב</a:t>
+              <a:t>ט'/אדר א/תשפ"ב</a:t>
             </a:fld>
             <a:endParaRPr lang="he-IL"/>
           </a:p>
@@ -2574,7 +2581,7 @@
           <a:p>
             <a:fld id="{78ED2250-E0B2-4157-8C5B-D459856C511E}" type="datetimeFigureOut">
               <a:rPr lang="he-IL" smtClean="0"/>
-              <a:t>כ"ו/שבט/תשפ"ב</a:t>
+              <a:t>ט'/אדר א/תשפ"ב</a:t>
             </a:fld>
             <a:endParaRPr lang="he-IL"/>
           </a:p>
@@ -2920,7 +2927,7 @@
           <a:p>
             <a:fld id="{78ED2250-E0B2-4157-8C5B-D459856C511E}" type="datetimeFigureOut">
               <a:rPr lang="he-IL" smtClean="0"/>
-              <a:t>כ"ו/שבט/תשפ"ב</a:t>
+              <a:t>ט'/אדר א/תשפ"ב</a:t>
             </a:fld>
             <a:endParaRPr lang="he-IL"/>
           </a:p>
@@ -3308,7 +3315,7 @@
           <a:p>
             <a:fld id="{78ED2250-E0B2-4157-8C5B-D459856C511E}" type="datetimeFigureOut">
               <a:rPr lang="he-IL" smtClean="0"/>
-              <a:t>כ"ו/שבט/תשפ"ב</a:t>
+              <a:t>ט'/אדר א/תשפ"ב</a:t>
             </a:fld>
             <a:endParaRPr lang="he-IL"/>
           </a:p>
@@ -3586,7 +3593,7 @@
           <a:p>
             <a:fld id="{78ED2250-E0B2-4157-8C5B-D459856C511E}" type="datetimeFigureOut">
               <a:rPr lang="he-IL" smtClean="0"/>
-              <a:t>כ"ו/שבט/תשפ"ב</a:t>
+              <a:t>ט'/אדר א/תשפ"ב</a:t>
             </a:fld>
             <a:endParaRPr lang="he-IL"/>
           </a:p>
@@ -4335,6 +4342,270 @@
 </p:sld>
 </file>
 
+<file path=ppt/slides/slide10.xml><?xml version="1.0" encoding="utf-8"?>
+<p:sld xmlns:a="http://schemas.openxmlformats.org/drawingml/2006/main" xmlns:r="http://schemas.openxmlformats.org/officeDocument/2006/relationships" xmlns:p="http://schemas.openxmlformats.org/presentationml/2006/main">
+  <p:cSld>
+    <p:spTree>
+      <p:nvGrpSpPr>
+        <p:cNvPr id="1" name=""/>
+        <p:cNvGrpSpPr/>
+        <p:nvPr/>
+      </p:nvGrpSpPr>
+      <p:grpSpPr>
+        <a:xfrm>
+          <a:off x="0" y="0"/>
+          <a:ext cx="0" cy="0"/>
+          <a:chOff x="0" y="0"/>
+          <a:chExt cx="0" cy="0"/>
+        </a:xfrm>
+      </p:grpSpPr>
+      <p:pic>
+        <p:nvPicPr>
+          <p:cNvPr id="4" name="תמונה 3">
+            <a:extLst>
+              <a:ext uri="{FF2B5EF4-FFF2-40B4-BE49-F238E27FC236}">
+                <a16:creationId xmlns:a16="http://schemas.microsoft.com/office/drawing/2014/main" id="{379455D6-45E5-4984-B098-B9B889783765}"/>
+              </a:ext>
+            </a:extLst>
+          </p:cNvPr>
+          <p:cNvPicPr>
+            <a:picLocks noChangeAspect="1"/>
+          </p:cNvPicPr>
+          <p:nvPr/>
+        </p:nvPicPr>
+        <p:blipFill>
+          <a:blip r:embed="rId2">
+            <a:extLst>
+              <a:ext uri="{28A0092B-C50C-407E-A947-70E740481C1C}">
+                <a14:useLocalDpi xmlns:a14="http://schemas.microsoft.com/office/drawing/2010/main" val="0"/>
+              </a:ext>
+            </a:extLst>
+          </a:blip>
+          <a:stretch>
+            <a:fillRect/>
+          </a:stretch>
+        </p:blipFill>
+        <p:spPr>
+          <a:xfrm>
+            <a:off x="1076063" y="3169920"/>
+            <a:ext cx="5172337" cy="3518071"/>
+          </a:xfrm>
+          <a:prstGeom prst="rect">
+            <a:avLst/>
+          </a:prstGeom>
+        </p:spPr>
+      </p:pic>
+      <p:sp>
+        <p:nvSpPr>
+          <p:cNvPr id="5" name="כותרת 1">
+            <a:extLst>
+              <a:ext uri="{FF2B5EF4-FFF2-40B4-BE49-F238E27FC236}">
+                <a16:creationId xmlns:a16="http://schemas.microsoft.com/office/drawing/2014/main" id="{3C03C2B1-5056-4D52-8A96-0137948A1B95}"/>
+              </a:ext>
+            </a:extLst>
+          </p:cNvPr>
+          <p:cNvSpPr>
+            <a:spLocks noGrp="1"/>
+          </p:cNvSpPr>
+          <p:nvPr>
+            <p:ph type="title"/>
+          </p:nvPr>
+        </p:nvSpPr>
+        <p:spPr>
+          <a:xfrm>
+            <a:off x="1447800" y="2413000"/>
+            <a:ext cx="9601200" cy="584200"/>
+          </a:xfrm>
+        </p:spPr>
+        <p:txBody>
+          <a:bodyPr>
+            <a:normAutofit/>
+          </a:bodyPr>
+          <a:lstStyle/>
+          <a:p>
+            <a:r>
+              <a:rPr lang="en-US" sz="2000" dirty="0">
+                <a:latin typeface="Aharoni" panose="02010803020104030203" pitchFamily="2" charset="-79"/>
+                <a:cs typeface="Aharoni" panose="02010803020104030203" pitchFamily="2" charset="-79"/>
+              </a:rPr>
+              <a:t>This graph visualize wine ratings in relation to allergens components.</a:t>
+            </a:r>
+            <a:endParaRPr lang="he-IL" sz="2000" dirty="0"/>
+          </a:p>
+        </p:txBody>
+      </p:sp>
+    </p:spTree>
+    <p:extLst>
+      <p:ext uri="{BB962C8B-B14F-4D97-AF65-F5344CB8AC3E}">
+        <p14:creationId xmlns:p14="http://schemas.microsoft.com/office/powerpoint/2010/main" val="631328421"/>
+      </p:ext>
+    </p:extLst>
+  </p:cSld>
+  <p:clrMapOvr>
+    <a:masterClrMapping/>
+  </p:clrMapOvr>
+</p:sld>
+</file>
+
+<file path=ppt/slides/slide11.xml><?xml version="1.0" encoding="utf-8"?>
+<p:sld xmlns:a="http://schemas.openxmlformats.org/drawingml/2006/main" xmlns:r="http://schemas.openxmlformats.org/officeDocument/2006/relationships" xmlns:p="http://schemas.openxmlformats.org/presentationml/2006/main">
+  <p:cSld>
+    <p:spTree>
+      <p:nvGrpSpPr>
+        <p:cNvPr id="1" name=""/>
+        <p:cNvGrpSpPr/>
+        <p:nvPr/>
+      </p:nvGrpSpPr>
+      <p:grpSpPr>
+        <a:xfrm>
+          <a:off x="0" y="0"/>
+          <a:ext cx="0" cy="0"/>
+          <a:chOff x="0" y="0"/>
+          <a:chExt cx="0" cy="0"/>
+        </a:xfrm>
+      </p:grpSpPr>
+      <p:sp>
+        <p:nvSpPr>
+          <p:cNvPr id="2" name="כותרת 1">
+            <a:extLst>
+              <a:ext uri="{FF2B5EF4-FFF2-40B4-BE49-F238E27FC236}">
+                <a16:creationId xmlns:a16="http://schemas.microsoft.com/office/drawing/2014/main" id="{118E8323-2169-443E-9B10-73DC5140308F}"/>
+              </a:ext>
+            </a:extLst>
+          </p:cNvPr>
+          <p:cNvSpPr>
+            <a:spLocks noGrp="1"/>
+          </p:cNvSpPr>
+          <p:nvPr>
+            <p:ph type="title"/>
+          </p:nvPr>
+        </p:nvSpPr>
+        <p:spPr/>
+        <p:txBody>
+          <a:bodyPr/>
+          <a:lstStyle/>
+          <a:p>
+            <a:r>
+              <a:rPr lang="en-US" dirty="0">
+                <a:latin typeface="Aharoni" panose="02010803020104030203" pitchFamily="2" charset="-79"/>
+                <a:cs typeface="Aharoni" panose="02010803020104030203" pitchFamily="2" charset="-79"/>
+              </a:rPr>
+              <a:t>Machine learning model</a:t>
+            </a:r>
+            <a:endParaRPr lang="he-IL" dirty="0">
+              <a:latin typeface="Aharoni" panose="02010803020104030203" pitchFamily="2" charset="-79"/>
+              <a:cs typeface="Aharoni" panose="02010803020104030203" pitchFamily="2" charset="-79"/>
+            </a:endParaRPr>
+          </a:p>
+        </p:txBody>
+      </p:sp>
+      <p:sp>
+        <p:nvSpPr>
+          <p:cNvPr id="3" name="מציין מיקום תוכן 2">
+            <a:extLst>
+              <a:ext uri="{FF2B5EF4-FFF2-40B4-BE49-F238E27FC236}">
+                <a16:creationId xmlns:a16="http://schemas.microsoft.com/office/drawing/2014/main" id="{D755DA91-2FCB-49FA-8F3E-9C4FD25E1ECF}"/>
+              </a:ext>
+            </a:extLst>
+          </p:cNvPr>
+          <p:cNvSpPr>
+            <a:spLocks noGrp="1"/>
+          </p:cNvSpPr>
+          <p:nvPr>
+            <p:ph idx="1"/>
+          </p:nvPr>
+        </p:nvSpPr>
+        <p:spPr/>
+        <p:txBody>
+          <a:bodyPr/>
+          <a:lstStyle/>
+          <a:p>
+            <a:pPr marL="0" indent="0" algn="l" rtl="0">
+              <a:buNone/>
+            </a:pPr>
+            <a:r>
+              <a:rPr lang="en-US" dirty="0">
+                <a:latin typeface="Aharoni" panose="02010803020104030203" pitchFamily="2" charset="-79"/>
+                <a:cs typeface="Aharoni" panose="02010803020104030203" pitchFamily="2" charset="-79"/>
+              </a:rPr>
+              <a:t>We used </a:t>
+            </a:r>
+            <a:r>
+              <a:rPr lang="en-US" u="sng" dirty="0">
+                <a:latin typeface="Aharoni" panose="02010803020104030203" pitchFamily="2" charset="-79"/>
+                <a:cs typeface="Aharoni" panose="02010803020104030203" pitchFamily="2" charset="-79"/>
+              </a:rPr>
+              <a:t>logistic regression </a:t>
+            </a:r>
+            <a:r>
+              <a:rPr lang="en-US" dirty="0">
+                <a:latin typeface="Aharoni" panose="02010803020104030203" pitchFamily="2" charset="-79"/>
+                <a:cs typeface="Aharoni" panose="02010803020104030203" pitchFamily="2" charset="-79"/>
+              </a:rPr>
+              <a:t>model to determine how a wine characteristics affect its rating. We included sweet level, tannic level, bold level, and allergic components</a:t>
+            </a:r>
+          </a:p>
+          <a:p>
+            <a:pPr marL="0" indent="0" algn="l" rtl="0">
+              <a:buNone/>
+            </a:pPr>
+            <a:r>
+              <a:rPr lang="en-US" dirty="0">
+                <a:latin typeface="Aharoni" panose="02010803020104030203" pitchFamily="2" charset="-79"/>
+                <a:cs typeface="Aharoni" panose="02010803020104030203" pitchFamily="2" charset="-79"/>
+              </a:rPr>
+              <a:t>Eventually we came up with a model that is able to predict with a 0.98 certainty the effect of wine characteristics on its rating.</a:t>
+            </a:r>
+            <a:endParaRPr lang="he-IL" dirty="0">
+              <a:latin typeface="Aharoni" panose="02010803020104030203" pitchFamily="2" charset="-79"/>
+              <a:cs typeface="Aharoni" panose="02010803020104030203" pitchFamily="2" charset="-79"/>
+            </a:endParaRPr>
+          </a:p>
+        </p:txBody>
+      </p:sp>
+      <p:pic>
+        <p:nvPicPr>
+          <p:cNvPr id="5" name="תמונה 4">
+            <a:extLst>
+              <a:ext uri="{FF2B5EF4-FFF2-40B4-BE49-F238E27FC236}">
+                <a16:creationId xmlns:a16="http://schemas.microsoft.com/office/drawing/2014/main" id="{41F6CC65-F5B3-4C2E-8258-17C01792CBB1}"/>
+              </a:ext>
+            </a:extLst>
+          </p:cNvPr>
+          <p:cNvPicPr>
+            <a:picLocks noChangeAspect="1"/>
+          </p:cNvPicPr>
+          <p:nvPr/>
+        </p:nvPicPr>
+        <p:blipFill>
+          <a:blip r:embed="rId2"/>
+          <a:stretch>
+            <a:fillRect/>
+          </a:stretch>
+        </p:blipFill>
+        <p:spPr>
+          <a:xfrm>
+            <a:off x="7374943" y="4283252"/>
+            <a:ext cx="3781953" cy="2010056"/>
+          </a:xfrm>
+          <a:prstGeom prst="rect">
+            <a:avLst/>
+          </a:prstGeom>
+        </p:spPr>
+      </p:pic>
+    </p:spTree>
+    <p:extLst>
+      <p:ext uri="{BB962C8B-B14F-4D97-AF65-F5344CB8AC3E}">
+        <p14:creationId xmlns:p14="http://schemas.microsoft.com/office/powerpoint/2010/main" val="1476687414"/>
+      </p:ext>
+    </p:extLst>
+  </p:cSld>
+  <p:clrMapOvr>
+    <a:masterClrMapping/>
+  </p:clrMapOvr>
+</p:sld>
+</file>
+
 <file path=ppt/slides/slide2.xml><?xml version="1.0" encoding="utf-8"?>
 <p:sld xmlns:a="http://schemas.openxmlformats.org/drawingml/2006/main" xmlns:r="http://schemas.openxmlformats.org/officeDocument/2006/relationships" xmlns:p="http://schemas.openxmlformats.org/presentationml/2006/main">
   <p:cSld>
@@ -5377,7 +5648,7 @@
                 <a:latin typeface="Aharoni" panose="02010803020104030203" pitchFamily="2" charset="-79"/>
                 <a:cs typeface="Aharoni" panose="02010803020104030203" pitchFamily="2" charset="-79"/>
               </a:rPr>
-              <a:t>Some columns included more than one parameter so we had to duplicate it.</a:t>
+              <a:t>Some columns included more than one parameter so we had to separate it.</a:t>
             </a:r>
           </a:p>
           <a:p>
@@ -5432,37 +5703,48 @@
           <a:chExt cx="0" cy="0"/>
         </a:xfrm>
       </p:grpSpPr>
-      <p:sp>
-        <p:nvSpPr>
-          <p:cNvPr id="2" name="כותרת 1">
+      <p:pic>
+        <p:nvPicPr>
+          <p:cNvPr id="8" name="תמונה 7">
             <a:extLst>
               <a:ext uri="{FF2B5EF4-FFF2-40B4-BE49-F238E27FC236}">
-                <a16:creationId xmlns:a16="http://schemas.microsoft.com/office/drawing/2014/main" id="{78706E8F-AA7B-4C2B-AFA0-A504A759EDDD}"/>
+                <a16:creationId xmlns:a16="http://schemas.microsoft.com/office/drawing/2014/main" id="{6A443344-B174-44D4-81F7-FA3BACD34245}"/>
               </a:ext>
             </a:extLst>
           </p:cNvPr>
-          <p:cNvSpPr>
-            <a:spLocks noGrp="1"/>
-          </p:cNvSpPr>
-          <p:nvPr>
-            <p:ph type="title"/>
-          </p:nvPr>
-        </p:nvSpPr>
-        <p:spPr/>
-        <p:txBody>
-          <a:bodyPr/>
-          <a:lstStyle/>
-          <a:p>
-            <a:endParaRPr lang="he-IL"/>
-          </a:p>
-        </p:txBody>
-      </p:sp>
-      <p:sp>
-        <p:nvSpPr>
-          <p:cNvPr id="3" name="מציין מיקום תוכן 2">
+          <p:cNvPicPr>
+            <a:picLocks noChangeAspect="1"/>
+          </p:cNvPicPr>
+          <p:nvPr/>
+        </p:nvPicPr>
+        <p:blipFill>
+          <a:blip r:embed="rId2">
+            <a:extLst>
+              <a:ext uri="{28A0092B-C50C-407E-A947-70E740481C1C}">
+                <a14:useLocalDpi xmlns:a14="http://schemas.microsoft.com/office/drawing/2010/main" val="0"/>
+              </a:ext>
+            </a:extLst>
+          </a:blip>
+          <a:stretch>
+            <a:fillRect/>
+          </a:stretch>
+        </p:blipFill>
+        <p:spPr>
+          <a:xfrm>
+            <a:off x="923662" y="2514816"/>
+            <a:ext cx="6188337" cy="4261904"/>
+          </a:xfrm>
+          <a:prstGeom prst="rect">
+            <a:avLst/>
+          </a:prstGeom>
+        </p:spPr>
+      </p:pic>
+      <p:sp>
+        <p:nvSpPr>
+          <p:cNvPr id="17" name="כותרת 1">
             <a:extLst>
               <a:ext uri="{FF2B5EF4-FFF2-40B4-BE49-F238E27FC236}">
-                <a16:creationId xmlns:a16="http://schemas.microsoft.com/office/drawing/2014/main" id="{2F54D221-0DAC-4DC9-A547-D9A9E0BA15ED}"/>
+                <a16:creationId xmlns:a16="http://schemas.microsoft.com/office/drawing/2014/main" id="{1F3BBD80-D83F-4AF7-B7BF-616275D7E79D}"/>
               </a:ext>
             </a:extLst>
           </p:cNvPr>
@@ -5470,22 +5752,112 @@
             <a:spLocks noGrp="1"/>
           </p:cNvSpPr>
           <p:nvPr>
+            <p:ph type="title"/>
+          </p:nvPr>
+        </p:nvSpPr>
+        <p:spPr>
+          <a:xfrm>
+            <a:off x="1371600" y="685800"/>
+            <a:ext cx="9601200" cy="736600"/>
+          </a:xfrm>
+        </p:spPr>
+        <p:txBody>
+          <a:bodyPr>
+            <a:normAutofit fontScale="90000"/>
+          </a:bodyPr>
+          <a:lstStyle/>
+          <a:p>
+            <a:r>
+              <a:rPr lang="en-US" sz="4000" dirty="0">
+                <a:latin typeface="Arial Black" panose="020B0A04020102020204" pitchFamily="34" charset="0"/>
+                <a:cs typeface="+mn-cs"/>
+              </a:rPr>
+              <a:t>EDA – visualization and conclusions</a:t>
+            </a:r>
+            <a:br>
+              <a:rPr lang="he-IL" dirty="0">
+                <a:cs typeface="+mj-cs"/>
+              </a:rPr>
+            </a:br>
+            <a:endParaRPr lang="he-IL" dirty="0"/>
+          </a:p>
+        </p:txBody>
+      </p:sp>
+      <p:sp>
+        <p:nvSpPr>
+          <p:cNvPr id="18" name="מציין מיקום תוכן 2">
+            <a:extLst>
+              <a:ext uri="{FF2B5EF4-FFF2-40B4-BE49-F238E27FC236}">
+                <a16:creationId xmlns:a16="http://schemas.microsoft.com/office/drawing/2014/main" id="{C4CFD2AD-18E0-47C0-BA91-AFC4B39CD0E8}"/>
+              </a:ext>
+            </a:extLst>
+          </p:cNvPr>
+          <p:cNvSpPr>
+            <a:spLocks noGrp="1"/>
+          </p:cNvSpPr>
+          <p:nvPr>
             <p:ph idx="1"/>
           </p:nvPr>
         </p:nvSpPr>
-        <p:spPr/>
+        <p:spPr>
+          <a:xfrm>
+            <a:off x="1290320" y="1600308"/>
+            <a:ext cx="7630160" cy="736600"/>
+          </a:xfrm>
+        </p:spPr>
         <p:txBody>
           <a:bodyPr/>
           <a:lstStyle/>
           <a:p>
-            <a:endParaRPr lang="he-IL"/>
+            <a:pPr marL="0" indent="0" algn="l" rtl="0">
+              <a:buNone/>
+            </a:pPr>
+            <a:r>
+              <a:rPr lang="en-US" dirty="0">
+                <a:latin typeface="Aharoni" panose="02010803020104030203" pitchFamily="2" charset="-79"/>
+                <a:cs typeface="Aharoni" panose="02010803020104030203" pitchFamily="2" charset="-79"/>
+              </a:rPr>
+              <a:t>This graph visualize wine types ratings by ‘</a:t>
+            </a:r>
+            <a:r>
+              <a:rPr lang="en-US" dirty="0" err="1">
+                <a:latin typeface="Aharoni" panose="02010803020104030203" pitchFamily="2" charset="-79"/>
+                <a:cs typeface="Aharoni" panose="02010803020104030203" pitchFamily="2" charset="-79"/>
+              </a:rPr>
+              <a:t>vivino</a:t>
+            </a:r>
+            <a:r>
+              <a:rPr lang="en-US" dirty="0">
+                <a:latin typeface="Aharoni" panose="02010803020104030203" pitchFamily="2" charset="-79"/>
+                <a:cs typeface="Aharoni" panose="02010803020104030203" pitchFamily="2" charset="-79"/>
+              </a:rPr>
+              <a:t>’ </a:t>
+            </a:r>
+            <a:r>
+              <a:rPr lang="en-US" dirty="0" err="1">
+                <a:latin typeface="Aharoni" panose="02010803020104030203" pitchFamily="2" charset="-79"/>
+                <a:cs typeface="Aharoni" panose="02010803020104030203" pitchFamily="2" charset="-79"/>
+              </a:rPr>
+              <a:t>usres</a:t>
+            </a:r>
+            <a:r>
+              <a:rPr lang="en-US" dirty="0">
+                <a:latin typeface="Aharoni" panose="02010803020104030203" pitchFamily="2" charset="-79"/>
+                <a:cs typeface="Aharoni" panose="02010803020104030203" pitchFamily="2" charset="-79"/>
+              </a:rPr>
+              <a:t>.</a:t>
+            </a:r>
+            <a:endParaRPr lang="he-IL" dirty="0">
+              <a:latin typeface="Aharoni" panose="02010803020104030203" pitchFamily="2" charset="-79"/>
+              <a:cs typeface="Aharoni" panose="02010803020104030203" pitchFamily="2" charset="-79"/>
+            </a:endParaRPr>
           </a:p>
         </p:txBody>
       </p:sp>
     </p:spTree>
     <p:extLst>
       <p:ext uri="{BB962C8B-B14F-4D97-AF65-F5344CB8AC3E}">
-        <p14:creationId xmlns:p14="http://schemas.microsoft.com/office/powerpoint/2010/main" val="424975042"/>
+        <p14:creationId xmlns:p14="http://schemas.microsoft.com/office/powerpoint/2010/main" val="693002142"/>
       </p:ext>
     </p:extLst>
   </p:cSld>
@@ -5512,111 +5884,12 @@
           <a:chExt cx="0" cy="0"/>
         </a:xfrm>
       </p:grpSpPr>
-      <p:sp>
-        <p:nvSpPr>
-          <p:cNvPr id="2" name="כותרת 1">
-            <a:extLst>
-              <a:ext uri="{FF2B5EF4-FFF2-40B4-BE49-F238E27FC236}">
-                <a16:creationId xmlns:a16="http://schemas.microsoft.com/office/drawing/2014/main" id="{118E8323-2169-443E-9B10-73DC5140308F}"/>
-              </a:ext>
-            </a:extLst>
-          </p:cNvPr>
-          <p:cNvSpPr>
-            <a:spLocks noGrp="1"/>
-          </p:cNvSpPr>
-          <p:nvPr>
-            <p:ph type="title"/>
-          </p:nvPr>
-        </p:nvSpPr>
-        <p:spPr/>
-        <p:txBody>
-          <a:bodyPr/>
-          <a:lstStyle/>
-          <a:p>
-            <a:r>
-              <a:rPr lang="en-US" dirty="0">
-                <a:latin typeface="Aharoni" panose="02010803020104030203" pitchFamily="2" charset="-79"/>
-                <a:cs typeface="Aharoni" panose="02010803020104030203" pitchFamily="2" charset="-79"/>
-              </a:rPr>
-              <a:t>Machine learning model</a:t>
-            </a:r>
-            <a:endParaRPr lang="he-IL" dirty="0">
-              <a:latin typeface="Aharoni" panose="02010803020104030203" pitchFamily="2" charset="-79"/>
-              <a:cs typeface="Aharoni" panose="02010803020104030203" pitchFamily="2" charset="-79"/>
-            </a:endParaRPr>
-          </a:p>
-        </p:txBody>
-      </p:sp>
-      <p:sp>
-        <p:nvSpPr>
-          <p:cNvPr id="3" name="מציין מיקום תוכן 2">
-            <a:extLst>
-              <a:ext uri="{FF2B5EF4-FFF2-40B4-BE49-F238E27FC236}">
-                <a16:creationId xmlns:a16="http://schemas.microsoft.com/office/drawing/2014/main" id="{D755DA91-2FCB-49FA-8F3E-9C4FD25E1ECF}"/>
-              </a:ext>
-            </a:extLst>
-          </p:cNvPr>
-          <p:cNvSpPr>
-            <a:spLocks noGrp="1"/>
-          </p:cNvSpPr>
-          <p:nvPr>
-            <p:ph idx="1"/>
-          </p:nvPr>
-        </p:nvSpPr>
-        <p:spPr/>
-        <p:txBody>
-          <a:bodyPr/>
-          <a:lstStyle/>
-          <a:p>
-            <a:pPr marL="0" indent="0" algn="l" rtl="0">
-              <a:buNone/>
-            </a:pPr>
-            <a:r>
-              <a:rPr lang="en-US" dirty="0">
-                <a:latin typeface="Aharoni" panose="02010803020104030203" pitchFamily="2" charset="-79"/>
-                <a:cs typeface="Aharoni" panose="02010803020104030203" pitchFamily="2" charset="-79"/>
-              </a:rPr>
-              <a:t>We used </a:t>
-            </a:r>
-            <a:r>
-              <a:rPr lang="en-US" u="sng" dirty="0">
-                <a:latin typeface="Aharoni" panose="02010803020104030203" pitchFamily="2" charset="-79"/>
-                <a:cs typeface="Aharoni" panose="02010803020104030203" pitchFamily="2" charset="-79"/>
-              </a:rPr>
-              <a:t>logistic regression </a:t>
-            </a:r>
-            <a:r>
-              <a:rPr lang="en-US" dirty="0">
-                <a:latin typeface="Aharoni" panose="02010803020104030203" pitchFamily="2" charset="-79"/>
-                <a:cs typeface="Aharoni" panose="02010803020104030203" pitchFamily="2" charset="-79"/>
-              </a:rPr>
-              <a:t>model to determine how a wine characteristics affect its rating. We included sweet level, tannic level, bold level, and allergic components</a:t>
-            </a:r>
-          </a:p>
-          <a:p>
-            <a:pPr marL="0" indent="0" algn="l" rtl="0">
-              <a:buNone/>
-            </a:pPr>
-            <a:r>
-              <a:rPr lang="en-US" dirty="0">
-                <a:latin typeface="Aharoni" panose="02010803020104030203" pitchFamily="2" charset="-79"/>
-                <a:cs typeface="Aharoni" panose="02010803020104030203" pitchFamily="2" charset="-79"/>
-              </a:rPr>
-              <a:t>Eventually we came up with a model that is able to predict with a 0.98 certainty the effect of wine characteristics on its rating.</a:t>
-            </a:r>
-            <a:endParaRPr lang="he-IL" dirty="0">
-              <a:latin typeface="Aharoni" panose="02010803020104030203" pitchFamily="2" charset="-79"/>
-              <a:cs typeface="Aharoni" panose="02010803020104030203" pitchFamily="2" charset="-79"/>
-            </a:endParaRPr>
-          </a:p>
-        </p:txBody>
-      </p:sp>
       <p:pic>
         <p:nvPicPr>
           <p:cNvPr id="5" name="תמונה 4">
             <a:extLst>
               <a:ext uri="{FF2B5EF4-FFF2-40B4-BE49-F238E27FC236}">
-                <a16:creationId xmlns:a16="http://schemas.microsoft.com/office/drawing/2014/main" id="{41F6CC65-F5B3-4C2E-8258-17C01792CBB1}"/>
+                <a16:creationId xmlns:a16="http://schemas.microsoft.com/office/drawing/2014/main" id="{8E294C65-4308-4A5C-BD02-D664CD4D2D1B}"/>
               </a:ext>
             </a:extLst>
           </p:cNvPr>
@@ -5626,25 +5899,79 @@
           <p:nvPr/>
         </p:nvPicPr>
         <p:blipFill>
-          <a:blip r:embed="rId2"/>
+          <a:blip r:embed="rId2">
+            <a:extLst>
+              <a:ext uri="{28A0092B-C50C-407E-A947-70E740481C1C}">
+                <a14:useLocalDpi xmlns:a14="http://schemas.microsoft.com/office/drawing/2010/main" val="0"/>
+              </a:ext>
+            </a:extLst>
+          </a:blip>
           <a:stretch>
             <a:fillRect/>
           </a:stretch>
         </p:blipFill>
         <p:spPr>
           <a:xfrm>
-            <a:off x="7374943" y="4283252"/>
-            <a:ext cx="3781953" cy="2010056"/>
+            <a:off x="1283444" y="2663447"/>
+            <a:ext cx="5637686" cy="3859274"/>
           </a:xfrm>
           <a:prstGeom prst="rect">
             <a:avLst/>
           </a:prstGeom>
         </p:spPr>
       </p:pic>
+      <p:sp>
+        <p:nvSpPr>
+          <p:cNvPr id="6" name="מציין מיקום תוכן 2">
+            <a:extLst>
+              <a:ext uri="{FF2B5EF4-FFF2-40B4-BE49-F238E27FC236}">
+                <a16:creationId xmlns:a16="http://schemas.microsoft.com/office/drawing/2014/main" id="{E1470FFA-25C8-41C1-8FC6-95EA85256193}"/>
+              </a:ext>
+            </a:extLst>
+          </p:cNvPr>
+          <p:cNvSpPr>
+            <a:spLocks noGrp="1"/>
+          </p:cNvSpPr>
+          <p:nvPr>
+            <p:ph idx="1"/>
+          </p:nvPr>
+        </p:nvSpPr>
+        <p:spPr>
+          <a:xfrm>
+            <a:off x="1605280" y="1630788"/>
+            <a:ext cx="7630160" cy="736600"/>
+          </a:xfrm>
+        </p:spPr>
+        <p:txBody>
+          <a:bodyPr/>
+          <a:lstStyle/>
+          <a:p>
+            <a:pPr marL="0" indent="0" algn="l" rtl="0">
+              <a:buNone/>
+            </a:pPr>
+            <a:r>
+              <a:rPr lang="en-US" dirty="0">
+                <a:latin typeface="Aharoni" panose="02010803020104030203" pitchFamily="2" charset="-79"/>
+                <a:cs typeface="Aharoni" panose="02010803020104030203" pitchFamily="2" charset="-79"/>
+              </a:rPr>
+              <a:t>This graph visualize the wine taste characteristics divided by wine types.</a:t>
+            </a:r>
+          </a:p>
+          <a:p>
+            <a:pPr marL="0" indent="0" algn="l" rtl="0">
+              <a:buNone/>
+            </a:pPr>
+            <a:endParaRPr lang="he-IL" dirty="0">
+              <a:latin typeface="Aharoni" panose="02010803020104030203" pitchFamily="2" charset="-79"/>
+              <a:cs typeface="Aharoni" panose="02010803020104030203" pitchFamily="2" charset="-79"/>
+            </a:endParaRPr>
+          </a:p>
+        </p:txBody>
+      </p:sp>
     </p:spTree>
     <p:extLst>
       <p:ext uri="{BB962C8B-B14F-4D97-AF65-F5344CB8AC3E}">
-        <p14:creationId xmlns:p14="http://schemas.microsoft.com/office/powerpoint/2010/main" val="1476687414"/>
+        <p14:creationId xmlns:p14="http://schemas.microsoft.com/office/powerpoint/2010/main" val="3392946620"/>
       </p:ext>
     </p:extLst>
   </p:cSld>
